--- a/lectures/lecture-03/Lec 03.pptx
+++ b/lectures/lecture-03/Lec 03.pptx
@@ -16510,6 +16510,82 @@
           </a:p>
         </p:txBody>
       </p:sp>
+      <p:sp>
+        <p:nvSpPr>
+          <p:cNvPr id="6" name="TextBox 5"/>
+          <p:cNvSpPr txBox="1"/>
+          <p:nvPr/>
+        </p:nvSpPr>
+        <p:spPr>
+          <a:xfrm>
+            <a:off x="7280693" y="4416724"/>
+            <a:ext cx="2093344" cy="923330"/>
+          </a:xfrm>
+          <a:prstGeom prst="rect">
+            <a:avLst/>
+          </a:prstGeom>
+        </p:spPr>
+        <p:style>
+          <a:lnRef idx="1">
+            <a:schemeClr val="accent5"/>
+          </a:lnRef>
+          <a:fillRef idx="2">
+            <a:schemeClr val="accent5"/>
+          </a:fillRef>
+          <a:effectRef idx="1">
+            <a:schemeClr val="accent5"/>
+          </a:effectRef>
+          <a:fontRef idx="minor">
+            <a:schemeClr val="dk1"/>
+          </a:fontRef>
+        </p:style>
+        <p:txBody>
+          <a:bodyPr wrap="square" rtlCol="0">
+            <a:spAutoFit/>
+          </a:bodyPr>
+          <a:lstStyle/>
+          <a:p>
+            <a:r>
+              <a:rPr lang="en-US" dirty="0" smtClean="0"/>
+              <a:t>Easy way to get participation points!</a:t>
+            </a:r>
+            <a:endParaRPr lang="en-US" dirty="0"/>
+          </a:p>
+        </p:txBody>
+      </p:sp>
+      <p:cxnSp>
+        <p:nvCxnSpPr>
+          <p:cNvPr id="8" name="Straight Arrow Connector 7"/>
+          <p:cNvCxnSpPr/>
+          <p:nvPr/>
+        </p:nvCxnSpPr>
+        <p:spPr>
+          <a:xfrm flipH="1" flipV="1">
+            <a:off x="4353464" y="3979653"/>
+            <a:ext cx="2904227" cy="845389"/>
+          </a:xfrm>
+          <a:prstGeom prst="straightConnector1">
+            <a:avLst/>
+          </a:prstGeom>
+          <a:ln w="28575">
+            <a:tailEnd type="arrow" w="lg" len="med"/>
+          </a:ln>
+        </p:spPr>
+        <p:style>
+          <a:lnRef idx="3">
+            <a:schemeClr val="dk1"/>
+          </a:lnRef>
+          <a:fillRef idx="0">
+            <a:schemeClr val="dk1"/>
+          </a:fillRef>
+          <a:effectRef idx="2">
+            <a:schemeClr val="dk1"/>
+          </a:effectRef>
+          <a:fontRef idx="minor">
+            <a:schemeClr val="tx1"/>
+          </a:fontRef>
+        </p:style>
+      </p:cxnSp>
     </p:spTree>
     <p:extLst>
       <p:ext uri="{BB962C8B-B14F-4D97-AF65-F5344CB8AC3E}">
